--- a/Scrabble_Presentación.pptx
+++ b/Scrabble_Presentación.pptx
@@ -114,6 +114,11 @@
       </a:defRPr>
     </a:lvl9pPr>
   </p:defaultTextStyle>
+  <p:extLst>
+    <p:ext uri="{EFAFB233-063F-42B5-8137-9DF3F51BA10A}">
+      <p15:sldGuideLst xmlns:p15="http://schemas.microsoft.com/office/powerpoint/2012/main"/>
+    </p:ext>
+  </p:extLst>
 </p:presentation>
 </file>
 
@@ -1328,7 +1333,7 @@
           <a:p>
             <a:fld id="{2F66BD38-8E1A-426C-98B3-D17737917B1C}" type="datetimeFigureOut">
               <a:rPr lang="es-AR" smtClean="0"/>
-              <a:t>23/1/2024</a:t>
+              <a:t>25/1/2024</a:t>
             </a:fld>
             <a:endParaRPr lang="es-AR"/>
           </a:p>
@@ -1566,7 +1571,7 @@
           <a:p>
             <a:fld id="{2F66BD38-8E1A-426C-98B3-D17737917B1C}" type="datetimeFigureOut">
               <a:rPr lang="es-AR" smtClean="0"/>
-              <a:t>23/1/2024</a:t>
+              <a:t>25/1/2024</a:t>
             </a:fld>
             <a:endParaRPr lang="es-AR"/>
           </a:p>
@@ -1746,7 +1751,7 @@
           <a:p>
             <a:fld id="{2F66BD38-8E1A-426C-98B3-D17737917B1C}" type="datetimeFigureOut">
               <a:rPr lang="es-AR" smtClean="0"/>
-              <a:t>23/1/2024</a:t>
+              <a:t>25/1/2024</a:t>
             </a:fld>
             <a:endParaRPr lang="es-AR"/>
           </a:p>
@@ -1916,7 +1921,7 @@
           <a:p>
             <a:fld id="{2F66BD38-8E1A-426C-98B3-D17737917B1C}" type="datetimeFigureOut">
               <a:rPr lang="es-AR" smtClean="0"/>
-              <a:t>23/1/2024</a:t>
+              <a:t>25/1/2024</a:t>
             </a:fld>
             <a:endParaRPr lang="es-AR"/>
           </a:p>
@@ -2192,7 +2197,7 @@
           <a:p>
             <a:fld id="{2F66BD38-8E1A-426C-98B3-D17737917B1C}" type="datetimeFigureOut">
               <a:rPr lang="es-AR" smtClean="0"/>
-              <a:t>23/1/2024</a:t>
+              <a:t>25/1/2024</a:t>
             </a:fld>
             <a:endParaRPr lang="es-AR"/>
           </a:p>
@@ -3393,7 +3398,7 @@
           <a:p>
             <a:fld id="{2F66BD38-8E1A-426C-98B3-D17737917B1C}" type="datetimeFigureOut">
               <a:rPr lang="es-AR" smtClean="0"/>
-              <a:t>23/1/2024</a:t>
+              <a:t>25/1/2024</a:t>
             </a:fld>
             <a:endParaRPr lang="es-AR"/>
           </a:p>
@@ -3783,7 +3788,7 @@
           <a:p>
             <a:fld id="{2F66BD38-8E1A-426C-98B3-D17737917B1C}" type="datetimeFigureOut">
               <a:rPr lang="es-AR" smtClean="0"/>
-              <a:t>23/1/2024</a:t>
+              <a:t>25/1/2024</a:t>
             </a:fld>
             <a:endParaRPr lang="es-AR"/>
           </a:p>
@@ -3906,7 +3911,7 @@
           <a:p>
             <a:fld id="{2F66BD38-8E1A-426C-98B3-D17737917B1C}" type="datetimeFigureOut">
               <a:rPr lang="es-AR" smtClean="0"/>
-              <a:t>23/1/2024</a:t>
+              <a:t>25/1/2024</a:t>
             </a:fld>
             <a:endParaRPr lang="es-AR"/>
           </a:p>
@@ -4001,7 +4006,7 @@
           <a:p>
             <a:fld id="{2F66BD38-8E1A-426C-98B3-D17737917B1C}" type="datetimeFigureOut">
               <a:rPr lang="es-AR" smtClean="0"/>
-              <a:t>23/1/2024</a:t>
+              <a:t>25/1/2024</a:t>
             </a:fld>
             <a:endParaRPr lang="es-AR"/>
           </a:p>
@@ -4764,7 +4769,7 @@
           <a:p>
             <a:fld id="{2F66BD38-8E1A-426C-98B3-D17737917B1C}" type="datetimeFigureOut">
               <a:rPr lang="es-AR" smtClean="0"/>
-              <a:t>23/1/2024</a:t>
+              <a:t>25/1/2024</a:t>
             </a:fld>
             <a:endParaRPr lang="es-AR"/>
           </a:p>
@@ -5604,7 +5609,7 @@
           <a:p>
             <a:fld id="{2F66BD38-8E1A-426C-98B3-D17737917B1C}" type="datetimeFigureOut">
               <a:rPr lang="es-AR" smtClean="0"/>
-              <a:t>23/1/2024</a:t>
+              <a:t>25/1/2024</a:t>
             </a:fld>
             <a:endParaRPr lang="es-AR"/>
           </a:p>
@@ -5831,7 +5836,7 @@
           <a:p>
             <a:fld id="{2F66BD38-8E1A-426C-98B3-D17737917B1C}" type="datetimeFigureOut">
               <a:rPr lang="es-AR" smtClean="0"/>
-              <a:t>23/1/2024</a:t>
+              <a:t>25/1/2024</a:t>
             </a:fld>
             <a:endParaRPr lang="es-AR"/>
           </a:p>
@@ -8074,7 +8079,15 @@
           <a:p>
             <a:r>
               <a:rPr lang="es-AR" sz="4000" dirty="0"/>
-              <a:t>¿Cómo puedo formar puntos formando palabras?</a:t>
+              <a:t>¿Cómo </a:t>
+            </a:r>
+            <a:r>
+              <a:rPr lang="es-AR" sz="4000"/>
+              <a:t>puedo sumar </a:t>
+            </a:r>
+            <a:r>
+              <a:rPr lang="es-AR" sz="4000" dirty="0"/>
+              <a:t>puntos formando palabras?</a:t>
             </a:r>
           </a:p>
         </p:txBody>
